--- a/document/Đồ án nhóm 31.pptx
+++ b/document/Đồ án nhóm 31.pptx
@@ -269,7 +269,7 @@
           <a:p>
             <a:fld id="{3EDDE6C4-EDC3-4791-9B06-FE46BC03A8A6}" type="datetimeFigureOut">
               <a:rPr lang="vi-VN" smtClean="0"/>
-              <a:t>22/02/2022</a:t>
+              <a:t>26/02/2022</a:t>
             </a:fld>
             <a:endParaRPr lang="vi-VN"/>
           </a:p>
@@ -469,7 +469,7 @@
           <a:p>
             <a:fld id="{3EDDE6C4-EDC3-4791-9B06-FE46BC03A8A6}" type="datetimeFigureOut">
               <a:rPr lang="vi-VN" smtClean="0"/>
-              <a:t>22/02/2022</a:t>
+              <a:t>26/02/2022</a:t>
             </a:fld>
             <a:endParaRPr lang="vi-VN"/>
           </a:p>
@@ -679,7 +679,7 @@
           <a:p>
             <a:fld id="{3EDDE6C4-EDC3-4791-9B06-FE46BC03A8A6}" type="datetimeFigureOut">
               <a:rPr lang="vi-VN" smtClean="0"/>
-              <a:t>22/02/2022</a:t>
+              <a:t>26/02/2022</a:t>
             </a:fld>
             <a:endParaRPr lang="vi-VN"/>
           </a:p>
@@ -879,7 +879,7 @@
           <a:p>
             <a:fld id="{3EDDE6C4-EDC3-4791-9B06-FE46BC03A8A6}" type="datetimeFigureOut">
               <a:rPr lang="vi-VN" smtClean="0"/>
-              <a:t>22/02/2022</a:t>
+              <a:t>26/02/2022</a:t>
             </a:fld>
             <a:endParaRPr lang="vi-VN"/>
           </a:p>
@@ -1155,7 +1155,7 @@
           <a:p>
             <a:fld id="{3EDDE6C4-EDC3-4791-9B06-FE46BC03A8A6}" type="datetimeFigureOut">
               <a:rPr lang="vi-VN" smtClean="0"/>
-              <a:t>22/02/2022</a:t>
+              <a:t>26/02/2022</a:t>
             </a:fld>
             <a:endParaRPr lang="vi-VN"/>
           </a:p>
@@ -1423,7 +1423,7 @@
           <a:p>
             <a:fld id="{3EDDE6C4-EDC3-4791-9B06-FE46BC03A8A6}" type="datetimeFigureOut">
               <a:rPr lang="vi-VN" smtClean="0"/>
-              <a:t>22/02/2022</a:t>
+              <a:t>26/02/2022</a:t>
             </a:fld>
             <a:endParaRPr lang="vi-VN"/>
           </a:p>
@@ -1838,7 +1838,7 @@
           <a:p>
             <a:fld id="{3EDDE6C4-EDC3-4791-9B06-FE46BC03A8A6}" type="datetimeFigureOut">
               <a:rPr lang="vi-VN" smtClean="0"/>
-              <a:t>22/02/2022</a:t>
+              <a:t>26/02/2022</a:t>
             </a:fld>
             <a:endParaRPr lang="vi-VN"/>
           </a:p>
@@ -1980,7 +1980,7 @@
           <a:p>
             <a:fld id="{3EDDE6C4-EDC3-4791-9B06-FE46BC03A8A6}" type="datetimeFigureOut">
               <a:rPr lang="vi-VN" smtClean="0"/>
-              <a:t>22/02/2022</a:t>
+              <a:t>26/02/2022</a:t>
             </a:fld>
             <a:endParaRPr lang="vi-VN"/>
           </a:p>
@@ -2093,7 +2093,7 @@
           <a:p>
             <a:fld id="{3EDDE6C4-EDC3-4791-9B06-FE46BC03A8A6}" type="datetimeFigureOut">
               <a:rPr lang="vi-VN" smtClean="0"/>
-              <a:t>22/02/2022</a:t>
+              <a:t>26/02/2022</a:t>
             </a:fld>
             <a:endParaRPr lang="vi-VN"/>
           </a:p>
@@ -2406,7 +2406,7 @@
           <a:p>
             <a:fld id="{3EDDE6C4-EDC3-4791-9B06-FE46BC03A8A6}" type="datetimeFigureOut">
               <a:rPr lang="vi-VN" smtClean="0"/>
-              <a:t>22/02/2022</a:t>
+              <a:t>26/02/2022</a:t>
             </a:fld>
             <a:endParaRPr lang="vi-VN"/>
           </a:p>
@@ -2695,7 +2695,7 @@
           <a:p>
             <a:fld id="{3EDDE6C4-EDC3-4791-9B06-FE46BC03A8A6}" type="datetimeFigureOut">
               <a:rPr lang="vi-VN" smtClean="0"/>
-              <a:t>22/02/2022</a:t>
+              <a:t>26/02/2022</a:t>
             </a:fld>
             <a:endParaRPr lang="vi-VN"/>
           </a:p>
@@ -2938,7 +2938,7 @@
           <a:p>
             <a:fld id="{3EDDE6C4-EDC3-4791-9B06-FE46BC03A8A6}" type="datetimeFigureOut">
               <a:rPr lang="vi-VN" smtClean="0"/>
-              <a:t>22/02/2022</a:t>
+              <a:t>26/02/2022</a:t>
             </a:fld>
             <a:endParaRPr lang="vi-VN"/>
           </a:p>
@@ -4102,9 +4102,9 @@
         <p:grpSpPr>
           <a:xfrm>
             <a:off x="273050" y="191218"/>
-            <a:ext cx="6387945" cy="5532609"/>
+            <a:ext cx="6387945" cy="4180766"/>
             <a:chOff x="342514" y="166481"/>
-            <a:chExt cx="6387945" cy="5532609"/>
+            <a:chExt cx="6387945" cy="4180766"/>
           </a:xfrm>
         </p:grpSpPr>
         <p:cxnSp>
@@ -4213,8 +4213,8 @@
           </p:nvSpPr>
           <p:spPr>
             <a:xfrm>
-              <a:off x="342514" y="851096"/>
-              <a:ext cx="6387945" cy="4847994"/>
+              <a:off x="342514" y="1340077"/>
+              <a:ext cx="6387945" cy="3007170"/>
             </a:xfrm>
             <a:prstGeom prst="rect">
               <a:avLst/>
@@ -4271,7 +4271,7 @@
                     <a:schemeClr val="bg1"/>
                   </a:solidFill>
                 </a:rPr>
-                <a:t>thường</a:t>
+                <a:t>việc</a:t>
               </a:r>
               <a:r>
                 <a:rPr lang="en-US" sz="1600" dirty="0">
@@ -4287,7 +4287,7 @@
                     <a:schemeClr val="bg1"/>
                   </a:solidFill>
                 </a:rPr>
-                <a:t>sử</a:t>
+                <a:t>kinh</a:t>
               </a:r>
               <a:r>
                 <a:rPr lang="en-US" sz="1600" dirty="0">
@@ -4303,7 +4303,7 @@
                     <a:schemeClr val="bg1"/>
                   </a:solidFill>
                 </a:rPr>
-                <a:t>dụng</a:t>
+                <a:t>doanh</a:t>
               </a:r>
               <a:r>
                 <a:rPr lang="en-US" sz="1600" dirty="0">
@@ -4311,7 +4311,7 @@
                     <a:schemeClr val="bg1"/>
                   </a:solidFill>
                 </a:rPr>
-                <a:t> Excel hay </a:t>
+                <a:t> online </a:t>
               </a:r>
               <a:r>
                 <a:rPr lang="en-US" sz="1600" dirty="0" err="1">
@@ -4319,7 +4319,7 @@
                     <a:schemeClr val="bg1"/>
                   </a:solidFill>
                 </a:rPr>
-                <a:t>số</a:t>
+                <a:t>đã</a:t>
               </a:r>
               <a:r>
                 <a:rPr lang="en-US" sz="1600" dirty="0">
@@ -4335,7 +4335,7 @@
                     <a:schemeClr val="bg1"/>
                   </a:solidFill>
                 </a:rPr>
-                <a:t>sách</a:t>
+                <a:t>trở</a:t>
               </a:r>
               <a:r>
                 <a:rPr lang="en-US" sz="1600" dirty="0">
@@ -4351,7 +4351,7 @@
                     <a:schemeClr val="bg1"/>
                   </a:solidFill>
                 </a:rPr>
-                <a:t>để</a:t>
+                <a:t>thành</a:t>
               </a:r>
               <a:r>
                 <a:rPr lang="en-US" sz="1600" dirty="0">
@@ -4367,7 +4367,7 @@
                     <a:schemeClr val="bg1"/>
                   </a:solidFill>
                 </a:rPr>
-                <a:t>lưu</a:t>
+                <a:t>một</a:t>
               </a:r>
               <a:r>
                 <a:rPr lang="en-US" sz="1600" dirty="0">
@@ -4375,7 +4375,7 @@
                     <a:schemeClr val="bg1"/>
                   </a:solidFill>
                 </a:rPr>
-                <a:t> </a:t>
+                <a:t> xu </a:t>
               </a:r>
               <a:r>
                 <a:rPr lang="en-US" sz="1600" dirty="0" err="1">
@@ -4383,7 +4383,7 @@
                     <a:schemeClr val="bg1"/>
                   </a:solidFill>
                 </a:rPr>
-                <a:t>các</a:t>
+                <a:t>hướng</a:t>
               </a:r>
               <a:r>
                 <a:rPr lang="en-US" sz="1600" dirty="0">
@@ -4399,7 +4399,7 @@
                     <a:schemeClr val="bg1"/>
                   </a:solidFill>
                 </a:rPr>
-                <a:t>thông</a:t>
+                <a:t>tất</a:t>
               </a:r>
               <a:r>
                 <a:rPr lang="en-US" sz="1600" dirty="0">
@@ -4407,7 +4407,7 @@
                     <a:schemeClr val="bg1"/>
                   </a:solidFill>
                 </a:rPr>
-                <a:t> tin </a:t>
+                <a:t> </a:t>
               </a:r>
               <a:r>
                 <a:rPr lang="en-US" sz="1600" dirty="0" err="1">
@@ -4415,23 +4415,7 @@
                     <a:schemeClr val="bg1"/>
                   </a:solidFill>
                 </a:rPr>
-                <a:t>kinh</a:t>
-              </a:r>
-              <a:r>
-                <a:rPr lang="en-US" sz="1600" dirty="0">
-                  <a:solidFill>
-                    <a:schemeClr val="bg1"/>
-                  </a:solidFill>
-                </a:rPr>
-                <a:t> </a:t>
-              </a:r>
-              <a:r>
-                <a:rPr lang="en-US" sz="1600" dirty="0" err="1">
-                  <a:solidFill>
-                    <a:schemeClr val="bg1"/>
-                  </a:solidFill>
-                </a:rPr>
-                <a:t>doanh</a:t>
+                <a:t>yếu</a:t>
               </a:r>
               <a:endParaRPr lang="vi-VN" sz="1600" dirty="0">
                 <a:solidFill>
@@ -4463,47 +4447,258 @@
                 <a:buChar char="•"/>
               </a:pPr>
               <a:r>
-                <a:rPr lang="vi-VN" sz="1600" dirty="0">
+                <a:rPr lang="en-US" sz="1600" dirty="0" err="1">
                   <a:solidFill>
                     <a:schemeClr val="bg1"/>
                   </a:solidFill>
                 </a:rPr>
-                <a:t>Khi khách hàng đặt hàng, lưu vào Excel</a:t>
-              </a:r>
-            </a:p>
-            <a:p>
-              <a:pPr marL="285750" indent="-285750">
-                <a:lnSpc>
-                  <a:spcPct val="150000"/>
-                </a:lnSpc>
-                <a:buFont typeface="Arial" panose="020B0604020202020204" pitchFamily="34" charset="0"/>
-                <a:buChar char="•"/>
-              </a:pPr>
-              <a:r>
-                <a:rPr lang="vi-VN" sz="1600" dirty="0">
+                <a:t>Việc</a:t>
+              </a:r>
+              <a:r>
+                <a:rPr lang="en-US" sz="1600" dirty="0">
                   <a:solidFill>
                     <a:schemeClr val="bg1"/>
                   </a:solidFill>
                 </a:rPr>
-                <a:t>Khi cập nhật đơn hàng, thay đổi giá trị cột trong Excel</a:t>
-              </a:r>
-            </a:p>
-            <a:p>
-              <a:pPr marL="285750" indent="-285750">
-                <a:lnSpc>
-                  <a:spcPct val="150000"/>
-                </a:lnSpc>
-                <a:buFont typeface="Arial" panose="020B0604020202020204" pitchFamily="34" charset="0"/>
-                <a:buChar char="•"/>
-              </a:pPr>
-              <a:r>
-                <a:rPr lang="vi-VN" sz="1600" dirty="0">
+                <a:t> </a:t>
+              </a:r>
+              <a:r>
+                <a:rPr lang="en-US" sz="1600" dirty="0" err="1">
                   <a:solidFill>
                     <a:schemeClr val="bg1"/>
                   </a:solidFill>
                 </a:rPr>
-                <a:t>Các sản phẩm lưu trên Excel, khi có thêm sản phẩm thì thêm 1 bản ghi</a:t>
-              </a:r>
+                <a:t>bán</a:t>
+              </a:r>
+              <a:r>
+                <a:rPr lang="en-US" sz="1600" dirty="0">
+                  <a:solidFill>
+                    <a:schemeClr val="bg1"/>
+                  </a:solidFill>
+                </a:rPr>
+                <a:t> </a:t>
+              </a:r>
+              <a:r>
+                <a:rPr lang="en-US" sz="1600" dirty="0" err="1">
+                  <a:solidFill>
+                    <a:schemeClr val="bg1"/>
+                  </a:solidFill>
+                </a:rPr>
+                <a:t>hàng</a:t>
+              </a:r>
+              <a:r>
+                <a:rPr lang="en-US" sz="1600" dirty="0">
+                  <a:solidFill>
+                    <a:schemeClr val="bg1"/>
+                  </a:solidFill>
+                </a:rPr>
+                <a:t> của </a:t>
+              </a:r>
+              <a:r>
+                <a:rPr lang="en-US" sz="1600" dirty="0" err="1">
+                  <a:solidFill>
+                    <a:schemeClr val="bg1"/>
+                  </a:solidFill>
+                </a:rPr>
+                <a:t>các</a:t>
+              </a:r>
+              <a:r>
+                <a:rPr lang="en-US" sz="1600" dirty="0">
+                  <a:solidFill>
+                    <a:schemeClr val="bg1"/>
+                  </a:solidFill>
+                </a:rPr>
+                <a:t> </a:t>
+              </a:r>
+              <a:r>
+                <a:rPr lang="en-US" sz="1600" dirty="0" err="1">
+                  <a:solidFill>
+                    <a:schemeClr val="bg1"/>
+                  </a:solidFill>
+                </a:rPr>
+                <a:t>cửa</a:t>
+              </a:r>
+              <a:r>
+                <a:rPr lang="en-US" sz="1600" dirty="0">
+                  <a:solidFill>
+                    <a:schemeClr val="bg1"/>
+                  </a:solidFill>
+                </a:rPr>
+                <a:t> </a:t>
+              </a:r>
+              <a:r>
+                <a:rPr lang="en-US" sz="1600" dirty="0" err="1">
+                  <a:solidFill>
+                    <a:schemeClr val="bg1"/>
+                  </a:solidFill>
+                </a:rPr>
+                <a:t>hàng</a:t>
+              </a:r>
+              <a:r>
+                <a:rPr lang="en-US" sz="1600" dirty="0">
+                  <a:solidFill>
+                    <a:schemeClr val="bg1"/>
+                  </a:solidFill>
+                </a:rPr>
+                <a:t> </a:t>
+              </a:r>
+              <a:r>
+                <a:rPr lang="en-US" sz="1600" dirty="0" err="1">
+                  <a:solidFill>
+                    <a:schemeClr val="bg1"/>
+                  </a:solidFill>
+                </a:rPr>
+                <a:t>chủ</a:t>
+              </a:r>
+              <a:r>
+                <a:rPr lang="en-US" sz="1600" dirty="0">
+                  <a:solidFill>
+                    <a:schemeClr val="bg1"/>
+                  </a:solidFill>
+                </a:rPr>
+                <a:t> </a:t>
+              </a:r>
+              <a:r>
+                <a:rPr lang="en-US" sz="1600" dirty="0" err="1">
+                  <a:solidFill>
+                    <a:schemeClr val="bg1"/>
+                  </a:solidFill>
+                </a:rPr>
+                <a:t>yếu</a:t>
+              </a:r>
+              <a:r>
+                <a:rPr lang="en-US" sz="1600" dirty="0">
+                  <a:solidFill>
+                    <a:schemeClr val="bg1"/>
+                  </a:solidFill>
+                </a:rPr>
+                <a:t> </a:t>
+              </a:r>
+              <a:r>
+                <a:rPr lang="en-US" sz="1600" dirty="0" err="1">
+                  <a:solidFill>
+                    <a:schemeClr val="bg1"/>
+                  </a:solidFill>
+                </a:rPr>
+                <a:t>là</a:t>
+              </a:r>
+              <a:r>
+                <a:rPr lang="en-US" sz="1600" dirty="0">
+                  <a:solidFill>
+                    <a:schemeClr val="bg1"/>
+                  </a:solidFill>
+                </a:rPr>
+                <a:t> </a:t>
+              </a:r>
+              <a:r>
+                <a:rPr lang="en-US" sz="1600" dirty="0" err="1">
+                  <a:solidFill>
+                    <a:schemeClr val="bg1"/>
+                  </a:solidFill>
+                </a:rPr>
+                <a:t>bán</a:t>
+              </a:r>
+              <a:r>
+                <a:rPr lang="en-US" sz="1600" dirty="0">
+                  <a:solidFill>
+                    <a:schemeClr val="bg1"/>
+                  </a:solidFill>
+                </a:rPr>
+                <a:t> </a:t>
+              </a:r>
+              <a:r>
+                <a:rPr lang="en-US" sz="1600" dirty="0" err="1">
+                  <a:solidFill>
+                    <a:schemeClr val="bg1"/>
+                  </a:solidFill>
+                </a:rPr>
+                <a:t>trực</a:t>
+              </a:r>
+              <a:r>
+                <a:rPr lang="en-US" sz="1600" dirty="0">
+                  <a:solidFill>
+                    <a:schemeClr val="bg1"/>
+                  </a:solidFill>
+                </a:rPr>
+                <a:t> </a:t>
+              </a:r>
+              <a:r>
+                <a:rPr lang="en-US" sz="1600" dirty="0" err="1">
+                  <a:solidFill>
+                    <a:schemeClr val="bg1"/>
+                  </a:solidFill>
+                </a:rPr>
+                <a:t>tiếp</a:t>
+              </a:r>
+              <a:r>
+                <a:rPr lang="en-US" sz="1600" dirty="0">
+                  <a:solidFill>
+                    <a:schemeClr val="bg1"/>
+                  </a:solidFill>
+                </a:rPr>
+                <a:t>, </a:t>
+              </a:r>
+              <a:r>
+                <a:rPr lang="en-US" sz="1600" dirty="0" err="1">
+                  <a:solidFill>
+                    <a:schemeClr val="bg1"/>
+                  </a:solidFill>
+                </a:rPr>
+                <a:t>khó</a:t>
+              </a:r>
+              <a:r>
+                <a:rPr lang="en-US" sz="1600" dirty="0">
+                  <a:solidFill>
+                    <a:schemeClr val="bg1"/>
+                  </a:solidFill>
+                </a:rPr>
+                <a:t> quản </a:t>
+              </a:r>
+              <a:r>
+                <a:rPr lang="en-US" sz="1600" dirty="0" err="1">
+                  <a:solidFill>
+                    <a:schemeClr val="bg1"/>
+                  </a:solidFill>
+                </a:rPr>
+                <a:t>lý</a:t>
+              </a:r>
+              <a:r>
+                <a:rPr lang="en-US" sz="1600" dirty="0">
+                  <a:solidFill>
+                    <a:schemeClr val="bg1"/>
+                  </a:solidFill>
+                </a:rPr>
+                <a:t> </a:t>
+              </a:r>
+              <a:r>
+                <a:rPr lang="en-US" sz="1600" dirty="0" err="1">
+                  <a:solidFill>
+                    <a:schemeClr val="bg1"/>
+                  </a:solidFill>
+                </a:rPr>
+                <a:t>mọi</a:t>
+              </a:r>
+              <a:r>
+                <a:rPr lang="en-US" sz="1600" dirty="0">
+                  <a:solidFill>
+                    <a:schemeClr val="bg1"/>
+                  </a:solidFill>
+                </a:rPr>
+                <a:t> </a:t>
+              </a:r>
+              <a:r>
+                <a:rPr lang="en-US" sz="1600" dirty="0" err="1">
+                  <a:solidFill>
+                    <a:schemeClr val="bg1"/>
+                  </a:solidFill>
+                </a:rPr>
+                <a:t>việc</a:t>
+              </a:r>
+              <a:endParaRPr lang="vi-VN" sz="1600" dirty="0">
+                <a:solidFill>
+                  <a:schemeClr val="bg1"/>
+                </a:solidFill>
+              </a:endParaRPr>
             </a:p>
             <a:p>
               <a:pPr>
@@ -4537,13 +4732,250 @@
                 <a:buChar char="•"/>
               </a:pPr>
               <a:r>
-                <a:rPr lang="vi-VN" sz="1600" dirty="0">
+                <a:rPr lang="en-US" sz="1600" dirty="0" err="1">
                   <a:solidFill>
                     <a:schemeClr val="bg1"/>
                   </a:solidFill>
                 </a:rPr>
-                <a:t>Cần có hệ thống mới, tiên tiến, hiện đại hơn, có những chức năng cơ bản để quản lí cửa hàng, có thể xem thống kê, phân quyền rõ ràng cho nhân viên và quản lí, xem lịch sử các thao tác, …</a:t>
-              </a:r>
+                <a:t>Xây</a:t>
+              </a:r>
+              <a:r>
+                <a:rPr lang="en-US" sz="1600" dirty="0">
+                  <a:solidFill>
+                    <a:schemeClr val="bg1"/>
+                  </a:solidFill>
+                </a:rPr>
+                <a:t> </a:t>
+              </a:r>
+              <a:r>
+                <a:rPr lang="en-US" sz="1600" dirty="0" err="1">
+                  <a:solidFill>
+                    <a:schemeClr val="bg1"/>
+                  </a:solidFill>
+                </a:rPr>
+                <a:t>dựng</a:t>
+              </a:r>
+              <a:r>
+                <a:rPr lang="en-US" sz="1600" dirty="0">
+                  <a:solidFill>
+                    <a:schemeClr val="bg1"/>
+                  </a:solidFill>
+                </a:rPr>
+                <a:t> website </a:t>
+              </a:r>
+              <a:r>
+                <a:rPr lang="en-US" sz="1600" dirty="0" err="1">
+                  <a:solidFill>
+                    <a:schemeClr val="bg1"/>
+                  </a:solidFill>
+                </a:rPr>
+                <a:t>bán</a:t>
+              </a:r>
+              <a:r>
+                <a:rPr lang="en-US" sz="1600" dirty="0">
+                  <a:solidFill>
+                    <a:schemeClr val="bg1"/>
+                  </a:solidFill>
+                </a:rPr>
+                <a:t> </a:t>
+              </a:r>
+              <a:r>
+                <a:rPr lang="en-US" sz="1600" dirty="0" err="1">
+                  <a:solidFill>
+                    <a:schemeClr val="bg1"/>
+                  </a:solidFill>
+                </a:rPr>
+                <a:t>hàng</a:t>
+              </a:r>
+              <a:r>
+                <a:rPr lang="en-US" sz="1600" dirty="0">
+                  <a:solidFill>
+                    <a:schemeClr val="bg1"/>
+                  </a:solidFill>
+                </a:rPr>
+                <a:t> </a:t>
+              </a:r>
+              <a:r>
+                <a:rPr lang="en-US" sz="1600" dirty="0" err="1">
+                  <a:solidFill>
+                    <a:schemeClr val="bg1"/>
+                  </a:solidFill>
+                </a:rPr>
+                <a:t>với</a:t>
+              </a:r>
+              <a:r>
+                <a:rPr lang="en-US" sz="1600" dirty="0">
+                  <a:solidFill>
+                    <a:schemeClr val="bg1"/>
+                  </a:solidFill>
+                </a:rPr>
+                <a:t> </a:t>
+              </a:r>
+              <a:r>
+                <a:rPr lang="en-US" sz="1600" dirty="0" err="1">
+                  <a:solidFill>
+                    <a:schemeClr val="bg1"/>
+                  </a:solidFill>
+                </a:rPr>
+                <a:t>các</a:t>
+              </a:r>
+              <a:r>
+                <a:rPr lang="en-US" sz="1600" dirty="0">
+                  <a:solidFill>
+                    <a:schemeClr val="bg1"/>
+                  </a:solidFill>
+                </a:rPr>
+                <a:t> </a:t>
+              </a:r>
+              <a:r>
+                <a:rPr lang="en-US" sz="1600" dirty="0" err="1">
+                  <a:solidFill>
+                    <a:schemeClr val="bg1"/>
+                  </a:solidFill>
+                </a:rPr>
+                <a:t>công</a:t>
+              </a:r>
+              <a:r>
+                <a:rPr lang="en-US" sz="1600" dirty="0">
+                  <a:solidFill>
+                    <a:schemeClr val="bg1"/>
+                  </a:solidFill>
+                </a:rPr>
+                <a:t> </a:t>
+              </a:r>
+              <a:r>
+                <a:rPr lang="en-US" sz="1600" dirty="0" err="1">
+                  <a:solidFill>
+                    <a:schemeClr val="bg1"/>
+                  </a:solidFill>
+                </a:rPr>
+                <a:t>cụ</a:t>
+              </a:r>
+              <a:r>
+                <a:rPr lang="en-US" sz="1600" dirty="0">
+                  <a:solidFill>
+                    <a:schemeClr val="bg1"/>
+                  </a:solidFill>
+                </a:rPr>
+                <a:t> </a:t>
+              </a:r>
+              <a:r>
+                <a:rPr lang="en-US" sz="1600" dirty="0" err="1">
+                  <a:solidFill>
+                    <a:schemeClr val="bg1"/>
+                  </a:solidFill>
+                </a:rPr>
+                <a:t>hữu</a:t>
+              </a:r>
+              <a:r>
+                <a:rPr lang="en-US" sz="1600" dirty="0">
+                  <a:solidFill>
+                    <a:schemeClr val="bg1"/>
+                  </a:solidFill>
+                </a:rPr>
+                <a:t> </a:t>
+              </a:r>
+              <a:r>
+                <a:rPr lang="en-US" sz="1600" dirty="0" err="1">
+                  <a:solidFill>
+                    <a:schemeClr val="bg1"/>
+                  </a:solidFill>
+                </a:rPr>
+                <a:t>hiệu</a:t>
+              </a:r>
+              <a:r>
+                <a:rPr lang="en-US" sz="1600" dirty="0">
+                  <a:solidFill>
+                    <a:schemeClr val="bg1"/>
+                  </a:solidFill>
+                </a:rPr>
+                <a:t> </a:t>
+              </a:r>
+              <a:r>
+                <a:rPr lang="en-US" sz="1600" dirty="0" err="1">
+                  <a:solidFill>
+                    <a:schemeClr val="bg1"/>
+                  </a:solidFill>
+                </a:rPr>
+                <a:t>cho</a:t>
+              </a:r>
+              <a:r>
+                <a:rPr lang="en-US" sz="1600" dirty="0">
+                  <a:solidFill>
+                    <a:schemeClr val="bg1"/>
+                  </a:solidFill>
+                </a:rPr>
+                <a:t> </a:t>
+              </a:r>
+              <a:r>
+                <a:rPr lang="en-US" sz="1600" dirty="0" err="1">
+                  <a:solidFill>
+                    <a:schemeClr val="bg1"/>
+                  </a:solidFill>
+                </a:rPr>
+                <a:t>người</a:t>
+              </a:r>
+              <a:r>
+                <a:rPr lang="en-US" sz="1600" dirty="0">
+                  <a:solidFill>
+                    <a:schemeClr val="bg1"/>
+                  </a:solidFill>
+                </a:rPr>
+                <a:t> </a:t>
+              </a:r>
+              <a:r>
+                <a:rPr lang="en-US" sz="1600" dirty="0" err="1">
+                  <a:solidFill>
+                    <a:schemeClr val="bg1"/>
+                  </a:solidFill>
+                </a:rPr>
+                <a:t>bán</a:t>
+              </a:r>
+              <a:r>
+                <a:rPr lang="en-US" sz="1600" dirty="0">
+                  <a:solidFill>
+                    <a:schemeClr val="bg1"/>
+                  </a:solidFill>
+                </a:rPr>
+                <a:t> </a:t>
+              </a:r>
+              <a:r>
+                <a:rPr lang="en-US" sz="1600" dirty="0" err="1">
+                  <a:solidFill>
+                    <a:schemeClr val="bg1"/>
+                  </a:solidFill>
+                </a:rPr>
+                <a:t>lẫn</a:t>
+              </a:r>
+              <a:r>
+                <a:rPr lang="en-US" sz="1600" dirty="0">
+                  <a:solidFill>
+                    <a:schemeClr val="bg1"/>
+                  </a:solidFill>
+                </a:rPr>
+                <a:t> </a:t>
+              </a:r>
+              <a:r>
+                <a:rPr lang="en-US" sz="1600" dirty="0" err="1">
+                  <a:solidFill>
+                    <a:schemeClr val="bg1"/>
+                  </a:solidFill>
+                </a:rPr>
+                <a:t>khách</a:t>
+              </a:r>
+              <a:r>
+                <a:rPr lang="en-US" sz="1600" dirty="0">
+                  <a:solidFill>
+                    <a:schemeClr val="bg1"/>
+                  </a:solidFill>
+                </a:rPr>
+                <a:t> hang.</a:t>
+              </a:r>
+              <a:endParaRPr lang="vi-VN" sz="1600" dirty="0">
+                <a:solidFill>
+                  <a:schemeClr val="bg1"/>
+                </a:solidFill>
+              </a:endParaRPr>
             </a:p>
           </p:txBody>
         </p:sp>
@@ -4724,7 +5156,7 @@
       </p:sp>
       <p:grpSp>
         <p:nvGrpSpPr>
-          <p:cNvPr id="10" name="Group 9" hidden="1">
+          <p:cNvPr id="10" name="Group 9">
             <a:extLst>
               <a:ext uri="{FF2B5EF4-FFF2-40B4-BE49-F238E27FC236}">
                 <a16:creationId xmlns:a16="http://schemas.microsoft.com/office/drawing/2014/main" id="{C0D9E941-06B3-4A30-BFF3-C8F1E0634051}"/>
@@ -8162,10 +8594,10 @@
       </p:cxnSp>
       <p:pic>
         <p:nvPicPr>
-          <p:cNvPr id="6" name="Picture 5">
-            <a:extLst>
-              <a:ext uri="{FF2B5EF4-FFF2-40B4-BE49-F238E27FC236}">
-                <a16:creationId xmlns:a16="http://schemas.microsoft.com/office/drawing/2014/main" id="{878170FE-BB31-412F-B889-6C18ADED961B}"/>
+          <p:cNvPr id="5" name="Picture 4">
+            <a:extLst>
+              <a:ext uri="{FF2B5EF4-FFF2-40B4-BE49-F238E27FC236}">
+                <a16:creationId xmlns:a16="http://schemas.microsoft.com/office/drawing/2014/main" id="{21D9A5F8-5CA9-41F0-8893-D6D30BD7CAFC}"/>
               </a:ext>
             </a:extLst>
           </p:cNvPr>
@@ -8182,8 +8614,8 @@
         </p:blipFill>
         <p:spPr>
           <a:xfrm>
-            <a:off x="1143000" y="1090893"/>
-            <a:ext cx="9906000" cy="5237410"/>
+            <a:off x="133350" y="573757"/>
+            <a:ext cx="11601450" cy="6203335"/>
           </a:xfrm>
           <a:prstGeom prst="rect">
             <a:avLst/>
@@ -8317,10 +8749,10 @@
       </p:cxnSp>
       <p:pic>
         <p:nvPicPr>
-          <p:cNvPr id="5" name="Picture 4" descr="Diagram, schematic&#10;&#10;Description automatically generated">
-            <a:extLst>
-              <a:ext uri="{FF2B5EF4-FFF2-40B4-BE49-F238E27FC236}">
-                <a16:creationId xmlns:a16="http://schemas.microsoft.com/office/drawing/2014/main" id="{DEA3271F-CEC0-4AE6-88B1-A1F8203DBDC9}"/>
+          <p:cNvPr id="8" name="Picture 7" descr="Diagram, schematic&#10;&#10;Description automatically generated">
+            <a:extLst>
+              <a:ext uri="{FF2B5EF4-FFF2-40B4-BE49-F238E27FC236}">
+                <a16:creationId xmlns:a16="http://schemas.microsoft.com/office/drawing/2014/main" id="{59F2B510-6126-42CE-93DB-AF9A2C18FD3A}"/>
               </a:ext>
             </a:extLst>
           </p:cNvPr>
@@ -8343,8 +8775,8 @@
         </p:blipFill>
         <p:spPr>
           <a:xfrm>
-            <a:off x="2236275" y="542916"/>
-            <a:ext cx="7719448" cy="6091237"/>
+            <a:off x="2263449" y="533051"/>
+            <a:ext cx="7665102" cy="6324950"/>
           </a:xfrm>
           <a:prstGeom prst="rect">
             <a:avLst/>
